--- a/abstract_factory.pptx
+++ b/abstract_factory.pptx
@@ -252,7 +252,7 @@
           <a:p>
             <a:fld id="{4066312F-7698-4F0F-9A70-3E64A355B831}" type="datetimeFigureOut">
               <a:rPr lang="en-US" smtClean="0"/>
-              <a:t>28-Mar-24</a:t>
+              <a:t>3/29/2024</a:t>
             </a:fld>
             <a:endParaRPr lang="en-US"/>
           </a:p>
@@ -430,7 +430,7 @@
           <a:p>
             <a:fld id="{3AEE4C26-09E7-49B0-B22F-A5CFFF3D3B56}" type="datetimeFigureOut">
               <a:rPr lang="en-US" smtClean="0"/>
-              <a:t>28-Mar-24</a:t>
+              <a:t>3/29/2024</a:t>
             </a:fld>
             <a:endParaRPr lang="en-US"/>
           </a:p>
@@ -4439,10 +4439,9 @@
           <a:lstStyle/>
           <a:p>
             <a:r>
-              <a:rPr lang="en-US"/>
+              <a:rPr lang="en-US" dirty="0"/>
               <a:t>29/03/2024</a:t>
             </a:r>
-            <a:endParaRPr lang="en-US" dirty="0"/>
           </a:p>
         </p:txBody>
       </p:sp>
@@ -4647,18 +4646,9 @@
           <a:lstStyle/>
           <a:p>
             <a:r>
-              <a:rPr lang="en-US" sz="1800" kern="1200">
-                <a:solidFill>
-                  <a:srgbClr val="898989"/>
-                </a:solidFill>
-                <a:effectLst/>
-                <a:latin typeface="Arial" panose="020B0604020202020204" pitchFamily="34" charset="0"/>
-                <a:ea typeface="+mn-ea"/>
-                <a:cs typeface="+mn-cs"/>
-              </a:rPr>
+              <a:rPr lang="en-US" dirty="0"/>
               <a:t>29/03/2024</a:t>
             </a:r>
-            <a:endParaRPr lang="en-US" dirty="0"/>
           </a:p>
         </p:txBody>
       </p:sp>
@@ -4806,18 +4796,9 @@
           <a:lstStyle/>
           <a:p>
             <a:r>
-              <a:rPr lang="en-US" sz="1800" kern="1200">
-                <a:solidFill>
-                  <a:srgbClr val="898989"/>
-                </a:solidFill>
-                <a:effectLst/>
-                <a:latin typeface="Arial" panose="020B0604020202020204" pitchFamily="34" charset="0"/>
-                <a:ea typeface="+mn-ea"/>
-                <a:cs typeface="+mn-cs"/>
-              </a:rPr>
+              <a:rPr lang="en-US" dirty="0"/>
               <a:t>29/03/2024</a:t>
             </a:r>
-            <a:endParaRPr lang="en-US" dirty="0"/>
           </a:p>
         </p:txBody>
       </p:sp>
@@ -5176,10 +5157,9 @@
           <a:lstStyle/>
           <a:p>
             <a:r>
-              <a:rPr lang="en-US"/>
-              <a:t>16/01/2024</a:t>
-            </a:r>
-            <a:endParaRPr lang="en-US" dirty="0"/>
+              <a:rPr lang="en-US" dirty="0"/>
+              <a:t>29/03/2024</a:t>
+            </a:r>
           </a:p>
         </p:txBody>
       </p:sp>
@@ -5566,10 +5546,9 @@
           <a:lstStyle/>
           <a:p>
             <a:r>
-              <a:rPr lang="en-US"/>
-              <a:t>16/01/2024</a:t>
-            </a:r>
-            <a:endParaRPr lang="en-US" dirty="0"/>
+              <a:rPr lang="en-US" dirty="0"/>
+              <a:t>29/03/2024</a:t>
+            </a:r>
           </a:p>
         </p:txBody>
       </p:sp>
@@ -5761,10 +5740,9 @@
           <a:lstStyle/>
           <a:p>
             <a:r>
-              <a:rPr lang="en-US"/>
-              <a:t>16/01/2024</a:t>
-            </a:r>
-            <a:endParaRPr lang="en-US" dirty="0"/>
+              <a:rPr lang="en-US" dirty="0"/>
+              <a:t>29/03/2024</a:t>
+            </a:r>
           </a:p>
         </p:txBody>
       </p:sp>
@@ -5999,18 +5977,9 @@
           <a:lstStyle/>
           <a:p>
             <a:r>
-              <a:rPr lang="en-US" sz="1800" kern="1200">
-                <a:solidFill>
-                  <a:srgbClr val="898989"/>
-                </a:solidFill>
-                <a:effectLst/>
-                <a:latin typeface="Arial" panose="020B0604020202020204" pitchFamily="34" charset="0"/>
-                <a:ea typeface="+mn-ea"/>
-                <a:cs typeface="+mn-cs"/>
-              </a:rPr>
+              <a:rPr lang="en-US" dirty="0"/>
               <a:t>29/03/2024</a:t>
             </a:r>
-            <a:endParaRPr lang="en-US" dirty="0"/>
           </a:p>
         </p:txBody>
       </p:sp>
@@ -6241,18 +6210,9 @@
           <a:lstStyle/>
           <a:p>
             <a:r>
-              <a:rPr lang="en-US" sz="1800" kern="1200">
-                <a:solidFill>
-                  <a:srgbClr val="898989"/>
-                </a:solidFill>
-                <a:effectLst/>
-                <a:latin typeface="Arial" panose="020B0604020202020204" pitchFamily="34" charset="0"/>
-                <a:ea typeface="+mn-ea"/>
-                <a:cs typeface="+mn-cs"/>
-              </a:rPr>
+              <a:rPr lang="en-US" dirty="0"/>
               <a:t>29/03/2024</a:t>
             </a:r>
-            <a:endParaRPr lang="en-US" dirty="0"/>
           </a:p>
         </p:txBody>
       </p:sp>
@@ -6442,18 +6402,9 @@
           <a:lstStyle/>
           <a:p>
             <a:r>
-              <a:rPr lang="en-US" sz="1800" kern="1200">
-                <a:solidFill>
-                  <a:srgbClr val="898989"/>
-                </a:solidFill>
-                <a:effectLst/>
-                <a:latin typeface="Arial" panose="020B0604020202020204" pitchFamily="34" charset="0"/>
-                <a:ea typeface="+mn-ea"/>
-                <a:cs typeface="+mn-cs"/>
-              </a:rPr>
+              <a:rPr lang="en-US" dirty="0"/>
               <a:t>29/03/2024</a:t>
             </a:r>
-            <a:endParaRPr lang="en-US" dirty="0"/>
           </a:p>
         </p:txBody>
       </p:sp>
@@ -6712,37 +6663,31 @@
               <a:buNone/>
             </a:pPr>
             <a:r>
-              <a:rPr lang="en-US" sz="3000" b="1"/>
+              <a:rPr lang="en-US" sz="3000" b="1" dirty="0"/>
               <a:t>Advantages of Abstract Factory</a:t>
             </a:r>
           </a:p>
           <a:p>
             <a:r>
-              <a:rPr lang="en-US" sz="2400"/>
+              <a:rPr lang="en-US" sz="2400" dirty="0"/>
               <a:t>Ensure compatibility between objects</a:t>
             </a:r>
           </a:p>
           <a:p>
             <a:r>
-              <a:rPr lang="en-US" sz="2400"/>
+              <a:rPr lang="en-US" sz="2400" dirty="0"/>
               <a:t>Limit direct instantiation from concrete classes</a:t>
             </a:r>
           </a:p>
           <a:p>
             <a:r>
-              <a:rPr lang="en-US" sz="2400"/>
+              <a:rPr lang="en-US" sz="2400" dirty="0"/>
               <a:t>Easy addition of a new object</a:t>
             </a:r>
           </a:p>
           <a:p>
             <a:r>
-              <a:rPr lang="en-US" sz="2400"/>
-              <a:t>Separate concrete classes</a:t>
-            </a:r>
-          </a:p>
-          <a:p>
-            <a:r>
-              <a:rPr lang="en-US" sz="2400"/>
+              <a:rPr lang="en-US" sz="2400" dirty="0"/>
               <a:t>The consistency among objects</a:t>
             </a:r>
           </a:p>
@@ -6832,19 +6777,19 @@
               <a:buNone/>
             </a:pPr>
             <a:r>
-              <a:rPr lang="en-US" sz="2800" b="1"/>
+              <a:rPr lang="en-US" sz="2800" b="1" dirty="0"/>
               <a:t>When to use Abstract Factory</a:t>
             </a:r>
           </a:p>
           <a:p>
             <a:r>
-              <a:rPr lang="en-US" sz="2400"/>
+              <a:rPr lang="en-US" sz="2400" dirty="0"/>
               <a:t>Multiple families of related products</a:t>
             </a:r>
           </a:p>
           <a:p>
             <a:r>
-              <a:rPr lang="en-US" sz="2400"/>
+              <a:rPr lang="en-US" sz="2400" dirty="0"/>
               <a:t>Flexibility and extensibility</a:t>
             </a:r>
           </a:p>
@@ -6852,7 +6797,7 @@
             <a:pPr marL="0" indent="0">
               <a:buNone/>
             </a:pPr>
-            <a:endParaRPr lang="en-US"/>
+            <a:endParaRPr lang="en-US" dirty="0"/>
           </a:p>
         </p:txBody>
       </p:sp>
@@ -6878,10 +6823,9 @@
           <a:lstStyle/>
           <a:p>
             <a:r>
-              <a:rPr lang="en-US"/>
-              <a:t>16/01/2024</a:t>
-            </a:r>
-            <a:endParaRPr lang="en-US" dirty="0"/>
+              <a:rPr lang="en-US" dirty="0"/>
+              <a:t>29/03/2024</a:t>
+            </a:r>
           </a:p>
         </p:txBody>
       </p:sp>
@@ -7820,15 +7764,6 @@
 </file>
 
 <file path=customXml/item1.xml><?xml version="1.0" encoding="utf-8"?>
-<?mso-contentType ?>
-<FormTemplates xmlns="http://schemas.microsoft.com/sharepoint/v3/contenttype/forms">
-  <Display>DocumentLibraryForm</Display>
-  <Edit>DocumentLibraryForm</Edit>
-  <New>DocumentLibraryForm</New>
-</FormTemplates>
-</file>
-
-<file path=customXml/item2.xml><?xml version="1.0" encoding="utf-8"?>
 <ct:contentTypeSchema xmlns:ct="http://schemas.microsoft.com/office/2006/metadata/contentType" xmlns:ma="http://schemas.microsoft.com/office/2006/metadata/properties/metaAttributes" ct:_="" ma:_="" ma:contentTypeName="Document" ma:contentTypeID="0x01010059F091225DB1A947B01CB99F9AE9BB58" ma:contentTypeVersion="20" ma:contentTypeDescription="Create a new document." ma:contentTypeScope="" ma:versionID="f0907949df67cd8578a2dbd61e345099">
   <xsd:schema xmlns:xsd="http://www.w3.org/2001/XMLSchema" xmlns:xs="http://www.w3.org/2001/XMLSchema" xmlns:p="http://schemas.microsoft.com/office/2006/metadata/properties" xmlns:ns2="f629341c-4cde-4c27-8491-b27ba532aee8" xmlns:ns3="231742ab-05ec-4f96-a981-a771f0dc5ac4" targetNamespace="http://schemas.microsoft.com/office/2006/metadata/properties" ma:root="true" ma:fieldsID="357ff0bfbdf80d512588bbf9ae5ff5da" ns2:_="" ns3:_="">
     <xsd:import namespace="f629341c-4cde-4c27-8491-b27ba532aee8"/>
@@ -8043,6 +7978,15 @@
 </ct:contentTypeSchema>
 </file>
 
+<file path=customXml/item2.xml><?xml version="1.0" encoding="utf-8"?>
+<?mso-contentType ?>
+<FormTemplates xmlns="http://schemas.microsoft.com/sharepoint/v3/contenttype/forms">
+  <Display>DocumentLibraryForm</Display>
+  <Edit>DocumentLibraryForm</Edit>
+  <New>DocumentLibraryForm</New>
+</FormTemplates>
+</file>
+
 <file path=customXml/item3.xml><?xml version="1.0" encoding="utf-8"?>
 <p:properties xmlns:p="http://schemas.microsoft.com/office/2006/metadata/properties" xmlns:xsi="http://www.w3.org/2001/XMLSchema-instance" xmlns:pc="http://schemas.microsoft.com/office/infopath/2007/PartnerControls">
   <documentManagement>
@@ -8055,14 +7999,6 @@
 </file>
 
 <file path=customXml/itemProps1.xml><?xml version="1.0" encoding="utf-8"?>
-<ds:datastoreItem xmlns:ds="http://schemas.openxmlformats.org/officeDocument/2006/customXml" ds:itemID="{A373C971-40AF-4018-B4E4-CFAD404470C3}">
-  <ds:schemaRefs>
-    <ds:schemaRef ds:uri="http://schemas.microsoft.com/sharepoint/v3/contenttype/forms"/>
-  </ds:schemaRefs>
-</ds:datastoreItem>
-</file>
-
-<file path=customXml/itemProps2.xml><?xml version="1.0" encoding="utf-8"?>
 <ds:datastoreItem xmlns:ds="http://schemas.openxmlformats.org/officeDocument/2006/customXml" ds:itemID="{1EA1F8CA-0FC9-4508-AEC8-E87E8D868B5D}">
   <ds:schemaRefs>
     <ds:schemaRef ds:uri="http://schemas.microsoft.com/office/2006/metadata/contentType"/>
@@ -8081,6 +8017,14 @@
 </ds:datastoreItem>
 </file>
 
+<file path=customXml/itemProps2.xml><?xml version="1.0" encoding="utf-8"?>
+<ds:datastoreItem xmlns:ds="http://schemas.openxmlformats.org/officeDocument/2006/customXml" ds:itemID="{A373C971-40AF-4018-B4E4-CFAD404470C3}">
+  <ds:schemaRefs>
+    <ds:schemaRef ds:uri="http://schemas.microsoft.com/sharepoint/v3/contenttype/forms"/>
+  </ds:schemaRefs>
+</ds:datastoreItem>
+</file>
+
 <file path=customXml/itemProps3.xml><?xml version="1.0" encoding="utf-8"?>
 <ds:datastoreItem xmlns:ds="http://schemas.openxmlformats.org/officeDocument/2006/customXml" ds:itemID="{65DB626F-72E2-49BA-8CB3-D64BACF09F7B}">
   <ds:schemaRefs>
